--- a/racr/documentation/figures/type-coercion-rewrite-rules.pptx
+++ b/racr/documentation/figures/type-coercion-rewrite-rules.pptx
@@ -288,7 +288,7 @@
           <a:p>
             <a:fld id="{4C67DC64-DD91-EF40-BCE6-499D218257AE}" type="datetimeFigureOut">
               <a:rPr lang="de-DE" smtClean="0"/>
-              <a:t>01/04/15</a:t>
+              <a:t>03/02/16</a:t>
             </a:fld>
             <a:endParaRPr lang="de-DE"/>
           </a:p>
@@ -458,7 +458,7 @@
           <a:p>
             <a:fld id="{4C67DC64-DD91-EF40-BCE6-499D218257AE}" type="datetimeFigureOut">
               <a:rPr lang="de-DE" smtClean="0"/>
-              <a:t>01/04/15</a:t>
+              <a:t>03/02/16</a:t>
             </a:fld>
             <a:endParaRPr lang="de-DE"/>
           </a:p>
@@ -638,7 +638,7 @@
           <a:p>
             <a:fld id="{4C67DC64-DD91-EF40-BCE6-499D218257AE}" type="datetimeFigureOut">
               <a:rPr lang="de-DE" smtClean="0"/>
-              <a:t>01/04/15</a:t>
+              <a:t>03/02/16</a:t>
             </a:fld>
             <a:endParaRPr lang="de-DE"/>
           </a:p>
@@ -808,7 +808,7 @@
           <a:p>
             <a:fld id="{4C67DC64-DD91-EF40-BCE6-499D218257AE}" type="datetimeFigureOut">
               <a:rPr lang="de-DE" smtClean="0"/>
-              <a:t>01/04/15</a:t>
+              <a:t>03/02/16</a:t>
             </a:fld>
             <a:endParaRPr lang="de-DE"/>
           </a:p>
@@ -1054,7 +1054,7 @@
           <a:p>
             <a:fld id="{4C67DC64-DD91-EF40-BCE6-499D218257AE}" type="datetimeFigureOut">
               <a:rPr lang="de-DE" smtClean="0"/>
-              <a:t>01/04/15</a:t>
+              <a:t>03/02/16</a:t>
             </a:fld>
             <a:endParaRPr lang="de-DE"/>
           </a:p>
@@ -1342,7 +1342,7 @@
           <a:p>
             <a:fld id="{4C67DC64-DD91-EF40-BCE6-499D218257AE}" type="datetimeFigureOut">
               <a:rPr lang="de-DE" smtClean="0"/>
-              <a:t>01/04/15</a:t>
+              <a:t>03/02/16</a:t>
             </a:fld>
             <a:endParaRPr lang="de-DE"/>
           </a:p>
@@ -1764,7 +1764,7 @@
           <a:p>
             <a:fld id="{4C67DC64-DD91-EF40-BCE6-499D218257AE}" type="datetimeFigureOut">
               <a:rPr lang="de-DE" smtClean="0"/>
-              <a:t>01/04/15</a:t>
+              <a:t>03/02/16</a:t>
             </a:fld>
             <a:endParaRPr lang="de-DE"/>
           </a:p>
@@ -1882,7 +1882,7 @@
           <a:p>
             <a:fld id="{4C67DC64-DD91-EF40-BCE6-499D218257AE}" type="datetimeFigureOut">
               <a:rPr lang="de-DE" smtClean="0"/>
-              <a:t>01/04/15</a:t>
+              <a:t>03/02/16</a:t>
             </a:fld>
             <a:endParaRPr lang="de-DE"/>
           </a:p>
@@ -1977,7 +1977,7 @@
           <a:p>
             <a:fld id="{4C67DC64-DD91-EF40-BCE6-499D218257AE}" type="datetimeFigureOut">
               <a:rPr lang="de-DE" smtClean="0"/>
-              <a:t>01/04/15</a:t>
+              <a:t>03/02/16</a:t>
             </a:fld>
             <a:endParaRPr lang="de-DE"/>
           </a:p>
@@ -2254,7 +2254,7 @@
           <a:p>
             <a:fld id="{4C67DC64-DD91-EF40-BCE6-499D218257AE}" type="datetimeFigureOut">
               <a:rPr lang="de-DE" smtClean="0"/>
-              <a:t>01/04/15</a:t>
+              <a:t>03/02/16</a:t>
             </a:fld>
             <a:endParaRPr lang="de-DE"/>
           </a:p>
@@ -2507,7 +2507,7 @@
           <a:p>
             <a:fld id="{4C67DC64-DD91-EF40-BCE6-499D218257AE}" type="datetimeFigureOut">
               <a:rPr lang="de-DE" smtClean="0"/>
-              <a:t>01/04/15</a:t>
+              <a:t>03/02/16</a:t>
             </a:fld>
             <a:endParaRPr lang="de-DE"/>
           </a:p>
@@ -2720,7 +2720,7 @@
           <a:p>
             <a:fld id="{4C67DC64-DD91-EF40-BCE6-499D218257AE}" type="datetimeFigureOut">
               <a:rPr lang="de-DE" smtClean="0"/>
-              <a:t>01/04/15</a:t>
+              <a:t>03/02/16</a:t>
             </a:fld>
             <a:endParaRPr lang="de-DE"/>
           </a:p>
@@ -3278,7 +3278,6 @@
               <a:solidFill>
                 <a:schemeClr val="tx1"/>
               </a:solidFill>
-              <a:latin typeface="Microsoft Sans Serif" pitchFamily="34" charset="0"/>
               <a:ea typeface="+mn-ea"/>
               <a:cs typeface="+mn-cs"/>
             </a:endParaRPr>
@@ -3360,7 +3359,6 @@
               <a:solidFill>
                 <a:schemeClr val="tx1"/>
               </a:solidFill>
-              <a:latin typeface="Microsoft Sans Serif" pitchFamily="34" charset="0"/>
               <a:ea typeface="+mn-ea"/>
               <a:cs typeface="+mn-cs"/>
             </a:endParaRPr>
@@ -3406,7 +3404,6 @@
               <a:solidFill>
                 <a:schemeClr val="tx1"/>
               </a:solidFill>
-              <a:latin typeface="Microsoft Sans Serif" pitchFamily="34" charset="0"/>
               <a:ea typeface="+mn-ea"/>
               <a:cs typeface="+mn-cs"/>
             </a:endParaRPr>
@@ -3653,7 +3650,6 @@
               <a:solidFill>
                 <a:schemeClr val="tx1"/>
               </a:solidFill>
-              <a:latin typeface="Microsoft Sans Serif" pitchFamily="34" charset="0"/>
               <a:ea typeface="+mn-ea"/>
               <a:cs typeface="+mn-cs"/>
             </a:endParaRPr>
@@ -3730,7 +3726,6 @@
               <a:solidFill>
                 <a:schemeClr val="tx1"/>
               </a:solidFill>
-              <a:latin typeface="Microsoft Sans Serif" pitchFamily="34" charset="0"/>
               <a:ea typeface="+mn-ea"/>
               <a:cs typeface="+mn-cs"/>
             </a:endParaRPr>
@@ -3812,7 +3807,6 @@
               <a:solidFill>
                 <a:schemeClr val="tx1"/>
               </a:solidFill>
-              <a:latin typeface="Microsoft Sans Serif" pitchFamily="34" charset="0"/>
               <a:ea typeface="+mn-ea"/>
               <a:cs typeface="+mn-cs"/>
             </a:endParaRPr>
@@ -3827,7 +3821,7 @@
         </p:nvSpPr>
         <p:spPr bwMode="auto">
           <a:xfrm>
-            <a:off x="3260340" y="2518868"/>
+            <a:off x="3258128" y="2529810"/>
             <a:ext cx="144463" cy="144462"/>
           </a:xfrm>
           <a:prstGeom prst="ellipse">
@@ -3858,7 +3852,6 @@
               <a:solidFill>
                 <a:schemeClr val="tx1"/>
               </a:solidFill>
-              <a:latin typeface="Microsoft Sans Serif" pitchFamily="34" charset="0"/>
               <a:ea typeface="+mn-ea"/>
               <a:cs typeface="+mn-cs"/>
             </a:endParaRPr>
@@ -3873,7 +3866,7 @@
         </p:nvSpPr>
         <p:spPr>
           <a:xfrm>
-            <a:off x="3838236" y="2576342"/>
+            <a:off x="3853992" y="2529535"/>
             <a:ext cx="64997" cy="153888"/>
           </a:xfrm>
           <a:prstGeom prst="rect">
@@ -3935,7 +3928,7 @@
         </p:nvSpPr>
         <p:spPr>
           <a:xfrm>
-            <a:off x="3401628" y="2566817"/>
+            <a:off x="3410678" y="2529535"/>
             <a:ext cx="64997" cy="153888"/>
           </a:xfrm>
           <a:prstGeom prst="rect">
@@ -4033,7 +4026,6 @@
               <a:solidFill>
                 <a:schemeClr val="tx1"/>
               </a:solidFill>
-              <a:latin typeface="Microsoft Sans Serif" pitchFamily="34" charset="0"/>
               <a:ea typeface="+mn-ea"/>
               <a:cs typeface="+mn-cs"/>
             </a:endParaRPr>
@@ -4110,7 +4102,6 @@
               <a:solidFill>
                 <a:schemeClr val="tx1"/>
               </a:solidFill>
-              <a:latin typeface="Microsoft Sans Serif" pitchFamily="34" charset="0"/>
               <a:ea typeface="+mn-ea"/>
               <a:cs typeface="+mn-cs"/>
             </a:endParaRPr>
@@ -4209,13 +4200,11 @@
             <a:pPr algn="ctr"/>
             <a:r>
               <a:rPr lang="de-DE" sz="1000" dirty="0" smtClean="0">
-                <a:latin typeface="Calibri"/>
                 <a:cs typeface="Calibri"/>
               </a:rPr>
               <a:t>A</a:t>
             </a:r>
             <a:endParaRPr lang="de-DE" sz="1000" dirty="0">
-              <a:latin typeface="Calibri"/>
               <a:cs typeface="Calibri"/>
             </a:endParaRPr>
           </a:p>
@@ -4380,7 +4369,7 @@
                 <a:solidFill>
                   <a:srgbClr val="000000"/>
                 </a:solidFill>
-                <a:latin typeface="Arial" charset="0"/>
+                <a:latin typeface="+mn-lt"/>
                 <a:cs typeface="Arial" charset="0"/>
               </a:rPr>
               <a:t>Node</a:t>
@@ -4390,46 +4379,126 @@
                 <a:solidFill>
                   <a:srgbClr val="000000"/>
                 </a:solidFill>
-                <a:latin typeface="Arial" charset="0"/>
+                <a:latin typeface="+mn-lt"/>
                 <a:cs typeface="Arial" charset="0"/>
               </a:rPr>
               <a:t> </a:t>
             </a:r>
             <a:r>
-              <a:rPr lang="de-DE" i="1" dirty="0" err="1" smtClean="0">
-                <a:solidFill>
-                  <a:srgbClr val="000000"/>
-                </a:solidFill>
-                <a:latin typeface="Arial" charset="0"/>
+              <a:rPr lang="de-DE" i="1" dirty="0" err="1">
+                <a:solidFill>
+                  <a:srgbClr val="000000"/>
+                </a:solidFill>
+                <a:latin typeface="+mn-lt"/>
                 <a:cs typeface="Arial" charset="0"/>
               </a:rPr>
-              <a:t>Types</a:t>
-            </a:r>
-            <a:r>
-              <a:rPr lang="de-DE" i="1" dirty="0" smtClean="0">
-                <a:solidFill>
-                  <a:srgbClr val="000000"/>
-                </a:solidFill>
-                <a:latin typeface="Arial" charset="0"/>
+              <a:t>t</a:t>
+            </a:r>
+            <a:r>
+              <a:rPr lang="de-DE" i="1" dirty="0" err="1" smtClean="0">
+                <a:solidFill>
+                  <a:srgbClr val="000000"/>
+                </a:solidFill>
+                <a:latin typeface="+mn-lt"/>
                 <a:cs typeface="Arial" charset="0"/>
               </a:rPr>
-              <a:t> &amp; Reference Attribute </a:t>
-            </a:r>
-            <a:r>
-              <a:rPr lang="de-DE" i="1" dirty="0" err="1" smtClean="0">
-                <a:solidFill>
-                  <a:srgbClr val="000000"/>
-                </a:solidFill>
-                <a:latin typeface="Arial" charset="0"/>
+              <a:t>ypes</a:t>
+            </a:r>
+            <a:r>
+              <a:rPr lang="de-DE" i="1" dirty="0" smtClean="0">
+                <a:solidFill>
+                  <a:srgbClr val="000000"/>
+                </a:solidFill>
+                <a:latin typeface="+mn-lt"/>
                 <a:cs typeface="Arial" charset="0"/>
               </a:rPr>
-              <a:t>Names</a:t>
+              <a:t> </a:t>
+            </a:r>
+            <a:r>
+              <a:rPr lang="de-DE" i="1" dirty="0" smtClean="0">
+                <a:solidFill>
+                  <a:srgbClr val="000000"/>
+                </a:solidFill>
+                <a:latin typeface="+mn-lt"/>
+                <a:cs typeface="Arial" charset="0"/>
+              </a:rPr>
+              <a:t>&amp; </a:t>
+            </a:r>
+            <a:r>
+              <a:rPr lang="de-DE" i="1" dirty="0" err="1" smtClean="0">
+                <a:solidFill>
+                  <a:srgbClr val="000000"/>
+                </a:solidFill>
+                <a:latin typeface="+mn-lt"/>
+                <a:cs typeface="Arial" charset="0"/>
+              </a:rPr>
+              <a:t>reference</a:t>
+            </a:r>
+            <a:r>
+              <a:rPr lang="de-DE" i="1" dirty="0" smtClean="0">
+                <a:solidFill>
+                  <a:srgbClr val="000000"/>
+                </a:solidFill>
+                <a:latin typeface="+mn-lt"/>
+                <a:cs typeface="Arial" charset="0"/>
+              </a:rPr>
+              <a:t> </a:t>
+            </a:r>
+            <a:r>
+              <a:rPr lang="de-DE" i="1" dirty="0" err="1">
+                <a:solidFill>
+                  <a:srgbClr val="000000"/>
+                </a:solidFill>
+                <a:latin typeface="+mn-lt"/>
+                <a:cs typeface="Arial" charset="0"/>
+              </a:rPr>
+              <a:t>a</a:t>
+            </a:r>
+            <a:r>
+              <a:rPr lang="de-DE" i="1" dirty="0" err="1" smtClean="0">
+                <a:solidFill>
+                  <a:srgbClr val="000000"/>
+                </a:solidFill>
+                <a:latin typeface="+mn-lt"/>
+                <a:cs typeface="Arial" charset="0"/>
+              </a:rPr>
+              <a:t>ttribute</a:t>
+            </a:r>
+            <a:r>
+              <a:rPr lang="de-DE" i="1" dirty="0" smtClean="0">
+                <a:solidFill>
+                  <a:srgbClr val="000000"/>
+                </a:solidFill>
+                <a:latin typeface="+mn-lt"/>
+                <a:cs typeface="Arial" charset="0"/>
+              </a:rPr>
+              <a:t> </a:t>
+            </a:r>
+            <a:r>
+              <a:rPr lang="de-DE" i="1" dirty="0" err="1">
+                <a:solidFill>
+                  <a:srgbClr val="000000"/>
+                </a:solidFill>
+                <a:latin typeface="+mn-lt"/>
+                <a:cs typeface="Arial" charset="0"/>
+              </a:rPr>
+              <a:t>n</a:t>
+            </a:r>
+            <a:r>
+              <a:rPr lang="de-DE" i="1" dirty="0" err="1" smtClean="0">
+                <a:solidFill>
+                  <a:srgbClr val="000000"/>
+                </a:solidFill>
+                <a:latin typeface="+mn-lt"/>
+                <a:cs typeface="Arial" charset="0"/>
+              </a:rPr>
+              <a:t>ames</a:t>
             </a:r>
             <a:endParaRPr lang="de-DE" b="0" i="1" dirty="0" smtClean="0">
               <a:solidFill>
                 <a:srgbClr val="000000"/>
               </a:solidFill>
-              <a:latin typeface="Arial" charset="0"/>
+              <a:latin typeface="+mn-lt"/>
               <a:cs typeface="Arial" charset="0"/>
             </a:endParaRPr>
           </a:p>
@@ -4446,7 +4515,7 @@
         <p:spPr bwMode="auto">
           <a:xfrm>
             <a:off x="4230337" y="2736648"/>
-            <a:ext cx="1192634" cy="461665"/>
+            <a:ext cx="1115690" cy="461665"/>
           </a:xfrm>
           <a:prstGeom prst="rect">
             <a:avLst/>
@@ -4597,7 +4666,7 @@
                 <a:solidFill>
                   <a:srgbClr val="000000"/>
                 </a:solidFill>
-                <a:latin typeface="Arial" charset="0"/>
+                <a:latin typeface="+mn-lt"/>
                 <a:cs typeface="Arial" charset="0"/>
               </a:rPr>
               <a:t>Assignment</a:t>
@@ -4606,7 +4675,7 @@
               <a:solidFill>
                 <a:srgbClr val="000000"/>
               </a:solidFill>
-              <a:latin typeface="Arial" charset="0"/>
+              <a:latin typeface="+mn-lt"/>
               <a:cs typeface="Arial" charset="0"/>
             </a:endParaRPr>
           </a:p>
@@ -4620,7 +4689,7 @@
                 <a:solidFill>
                   <a:srgbClr val="000000"/>
                 </a:solidFill>
-                <a:latin typeface="Arial" charset="0"/>
+                <a:latin typeface="+mn-lt"/>
                 <a:cs typeface="Arial" charset="0"/>
               </a:rPr>
               <a:t>Terminal (l-hand)</a:t>
@@ -4636,7 +4705,7 @@
                 <a:solidFill>
                   <a:srgbClr val="000000"/>
                 </a:solidFill>
-                <a:latin typeface="Arial" charset="0"/>
+                <a:latin typeface="+mn-lt"/>
                 <a:cs typeface="Arial" charset="0"/>
               </a:rPr>
               <a:t>Expression</a:t>
@@ -4652,7 +4721,7 @@
         </p:nvSpPr>
         <p:spPr>
           <a:xfrm>
-            <a:off x="5759278" y="3006764"/>
+            <a:off x="5778328" y="3019464"/>
             <a:ext cx="76944" cy="153888"/>
           </a:xfrm>
           <a:prstGeom prst="rect">
@@ -4669,13 +4738,11 @@
             <a:pPr algn="ctr"/>
             <a:r>
               <a:rPr lang="de-DE" sz="1000" dirty="0" smtClean="0">
-                <a:latin typeface="Calibri"/>
                 <a:cs typeface="Calibri"/>
               </a:rPr>
               <a:t>A</a:t>
             </a:r>
             <a:endParaRPr lang="de-DE" sz="1000" dirty="0">
-              <a:latin typeface="Calibri"/>
               <a:cs typeface="Calibri"/>
             </a:endParaRPr>
           </a:p>
@@ -4691,7 +4758,7 @@
         </p:nvCxnSpPr>
         <p:spPr bwMode="auto">
           <a:xfrm flipH="1">
-            <a:off x="5599571" y="3154302"/>
+            <a:off x="5618621" y="3167002"/>
             <a:ext cx="311269" cy="1"/>
           </a:xfrm>
           <a:prstGeom prst="straightConnector1">
@@ -4726,8 +4793,8 @@
         </p:nvSpPr>
         <p:spPr bwMode="auto">
           <a:xfrm>
-            <a:off x="5962638" y="3050470"/>
-            <a:ext cx="648653" cy="153888"/>
+            <a:off x="5962638" y="3053645"/>
+            <a:ext cx="602729" cy="153888"/>
           </a:xfrm>
           <a:prstGeom prst="rect">
             <a:avLst/>
@@ -4875,7 +4942,7 @@
                 <a:solidFill>
                   <a:srgbClr val="000000"/>
                 </a:solidFill>
-                <a:latin typeface="Arial" charset="0"/>
+                <a:latin typeface="+mn-lt"/>
                 <a:cs typeface="Arial" charset="0"/>
               </a:rPr>
               <a:t>Declaration</a:t>
@@ -4884,7 +4951,7 @@
               <a:solidFill>
                 <a:srgbClr val="000000"/>
               </a:solidFill>
-              <a:latin typeface="Arial" charset="0"/>
+              <a:latin typeface="+mn-lt"/>
               <a:cs typeface="Arial" charset="0"/>
             </a:endParaRPr>
           </a:p>
@@ -4901,7 +4968,7 @@
         <p:spPr bwMode="auto">
           <a:xfrm>
             <a:off x="5732611" y="2741609"/>
-            <a:ext cx="872034" cy="307777"/>
+            <a:ext cx="833562" cy="307777"/>
           </a:xfrm>
           <a:prstGeom prst="rect">
             <a:avLst/>
@@ -5052,7 +5119,7 @@
                 <a:solidFill>
                   <a:srgbClr val="000000"/>
                 </a:solidFill>
-                <a:latin typeface="Arial" charset="0"/>
+                <a:latin typeface="+mn-lt"/>
                 <a:cs typeface="Arial" charset="0"/>
               </a:rPr>
               <a:t>Declaration</a:t>
@@ -5061,7 +5128,7 @@
               <a:solidFill>
                 <a:srgbClr val="000000"/>
               </a:solidFill>
-              <a:latin typeface="Arial" charset="0"/>
+              <a:latin typeface="+mn-lt"/>
               <a:cs typeface="Arial" charset="0"/>
             </a:endParaRPr>
           </a:p>
@@ -5075,11 +5142,28 @@
                 <a:solidFill>
                   <a:srgbClr val="000000"/>
                 </a:solidFill>
-                <a:latin typeface="Arial" charset="0"/>
+                <a:latin typeface="+mn-lt"/>
                 <a:cs typeface="Arial" charset="0"/>
               </a:rPr>
-              <a:t>Real Cast</a:t>
-            </a:r>
+              <a:t>Real </a:t>
+            </a:r>
+            <a:r>
+              <a:rPr lang="de-DE" b="0" dirty="0" err="1" smtClean="0">
+                <a:solidFill>
+                  <a:srgbClr val="000000"/>
+                </a:solidFill>
+                <a:latin typeface="+mn-lt"/>
+                <a:cs typeface="Arial" charset="0"/>
+              </a:rPr>
+              <a:t>cast</a:t>
+            </a:r>
+            <a:endParaRPr lang="de-DE" b="0" dirty="0" smtClean="0">
+              <a:solidFill>
+                <a:srgbClr val="000000"/>
+              </a:solidFill>
+              <a:latin typeface="+mn-lt"/>
+              <a:cs typeface="Arial" charset="0"/>
+            </a:endParaRPr>
           </a:p>
         </p:txBody>
       </p:sp>
@@ -5288,7 +5372,7 @@
                 <a:solidFill>
                   <a:srgbClr val="000000"/>
                 </a:solidFill>
-                <a:latin typeface="Arial" charset="0"/>
+                <a:latin typeface="+mn-lt"/>
                 <a:cs typeface="Arial" charset="0"/>
               </a:rPr>
               <a:t>l-hand</a:t>
@@ -5297,7 +5381,7 @@
               <a:solidFill>
                 <a:srgbClr val="000000"/>
               </a:solidFill>
-              <a:latin typeface="Arial" charset="0"/>
+              <a:latin typeface="+mn-lt"/>
               <a:cs typeface="Arial" charset="0"/>
             </a:endParaRPr>
           </a:p>
@@ -5462,7 +5546,7 @@
                 <a:solidFill>
                   <a:srgbClr val="000000"/>
                 </a:solidFill>
-                <a:latin typeface="Arial" charset="0"/>
+                <a:latin typeface="+mn-lt"/>
                 <a:cs typeface="Arial" charset="0"/>
               </a:rPr>
               <a:t>r</a:t>
@@ -5472,7 +5556,7 @@
                 <a:solidFill>
                   <a:srgbClr val="000000"/>
                 </a:solidFill>
-                <a:latin typeface="Arial" charset="0"/>
+                <a:latin typeface="+mn-lt"/>
                 <a:cs typeface="Arial" charset="0"/>
               </a:rPr>
               <a:t>-hand</a:t>
@@ -5481,7 +5565,7 @@
               <a:solidFill>
                 <a:srgbClr val="000000"/>
               </a:solidFill>
-              <a:latin typeface="Arial" charset="0"/>
+              <a:latin typeface="+mn-lt"/>
               <a:cs typeface="Arial" charset="0"/>
             </a:endParaRPr>
           </a:p>
@@ -5714,7 +5798,7 @@
                 <a:solidFill>
                   <a:srgbClr val="000000"/>
                 </a:solidFill>
-                <a:latin typeface="Arial" charset="0"/>
+                <a:latin typeface="+mn-lt"/>
                 <a:cs typeface="Arial" charset="0"/>
               </a:rPr>
               <a:t>Condition</a:t>
@@ -5724,27 +5808,57 @@
                 <a:solidFill>
                   <a:srgbClr val="000000"/>
                 </a:solidFill>
-                <a:latin typeface="Arial" charset="0"/>
+                <a:latin typeface="+mn-lt"/>
                 <a:cs typeface="Arial" charset="0"/>
               </a:rPr>
-              <a:t> </a:t>
+              <a:t>:</a:t>
             </a:r>
             <a:r>
               <a:rPr lang="de-DE" b="0" i="1" dirty="0" smtClean="0">
                 <a:solidFill>
                   <a:srgbClr val="000000"/>
                 </a:solidFill>
-                <a:latin typeface="Arial" charset="0"/>
+                <a:latin typeface="+mn-lt"/>
                 <a:cs typeface="Arial" charset="0"/>
               </a:rPr>
-              <a:t> Type(     ) = Pointer(Real)  </a:t>
+              <a:t> Type</a:t>
+            </a:r>
+            <a:r>
+              <a:rPr lang="de-DE" b="0" i="1" dirty="0" smtClean="0">
+                <a:solidFill>
+                  <a:srgbClr val="000000"/>
+                </a:solidFill>
+                <a:latin typeface="+mn-lt"/>
+                <a:cs typeface="Arial" charset="0"/>
+              </a:rPr>
+              <a:t>(     ) = </a:t>
+            </a:r>
+            <a:r>
+              <a:rPr lang="de-DE" b="0" i="1" dirty="0" smtClean="0">
+                <a:solidFill>
+                  <a:srgbClr val="000000"/>
+                </a:solidFill>
+                <a:latin typeface="+mn-lt"/>
+                <a:cs typeface="Arial" charset="0"/>
+              </a:rPr>
+              <a:t>Pointer</a:t>
+            </a:r>
+            <a:r>
+              <a:rPr lang="de-DE" b="0" i="1" dirty="0" smtClean="0">
+                <a:solidFill>
+                  <a:srgbClr val="000000"/>
+                </a:solidFill>
+                <a:latin typeface="+mn-lt"/>
+                <a:cs typeface="Arial" charset="0"/>
+              </a:rPr>
+              <a:t>(Real)  </a:t>
             </a:r>
             <a:r>
               <a:rPr lang="de-DE" b="0" dirty="0" smtClean="0">
                 <a:solidFill>
                   <a:srgbClr val="000000"/>
                 </a:solidFill>
-                <a:latin typeface="ＭＳ ゴシック"/>
+                <a:latin typeface="+mn-lt"/>
                 <a:ea typeface="ＭＳ ゴシック"/>
                 <a:cs typeface="ＭＳ ゴシック"/>
               </a:rPr>
@@ -5755,7 +5869,7 @@
                 <a:solidFill>
                   <a:srgbClr val="000000"/>
                 </a:solidFill>
-                <a:latin typeface="ＭＳ ゴシック"/>
+                <a:latin typeface="+mn-lt"/>
                 <a:ea typeface="ＭＳ ゴシック"/>
                 <a:cs typeface="ＭＳ ゴシック"/>
               </a:rPr>
@@ -5766,10 +5880,20 @@
                 <a:solidFill>
                   <a:srgbClr val="000000"/>
                 </a:solidFill>
-                <a:latin typeface="Arial" charset="0"/>
+                <a:latin typeface="+mn-lt"/>
                 <a:cs typeface="Arial" charset="0"/>
               </a:rPr>
-              <a:t>Type(     ) = Integer</a:t>
+              <a:t>Type</a:t>
+            </a:r>
+            <a:r>
+              <a:rPr lang="de-DE" b="0" i="1" dirty="0" smtClean="0">
+                <a:solidFill>
+                  <a:srgbClr val="000000"/>
+                </a:solidFill>
+                <a:latin typeface="+mn-lt"/>
+                <a:cs typeface="Arial" charset="0"/>
+              </a:rPr>
+              <a:t>(     ) = Integer</a:t>
             </a:r>
           </a:p>
         </p:txBody>
@@ -5784,8 +5908,8 @@
         </p:nvSpPr>
         <p:spPr bwMode="auto">
           <a:xfrm>
-            <a:off x="3799551" y="3363211"/>
-            <a:ext cx="128988" cy="153888"/>
+            <a:off x="3624926" y="3350511"/>
+            <a:ext cx="128988" cy="523220"/>
           </a:xfrm>
           <a:prstGeom prst="rect">
             <a:avLst/>
@@ -5936,7 +6060,7 @@
                 <a:solidFill>
                   <a:srgbClr val="000000"/>
                 </a:solidFill>
-                <a:latin typeface="Arial" charset="0"/>
+                <a:latin typeface="+mn-lt"/>
                 <a:cs typeface="Arial" charset="0"/>
               </a:rPr>
               <a:t> </a:t>
@@ -5954,8 +6078,8 @@
         </p:nvSpPr>
         <p:spPr bwMode="auto">
           <a:xfrm>
-            <a:off x="5491998" y="3366386"/>
-            <a:ext cx="128988" cy="153888"/>
+            <a:off x="5101925" y="3348597"/>
+            <a:ext cx="128988" cy="523220"/>
           </a:xfrm>
           <a:prstGeom prst="rect">
             <a:avLst/>
@@ -6106,7 +6230,7 @@
                 <a:solidFill>
                   <a:srgbClr val="000000"/>
                 </a:solidFill>
-                <a:latin typeface="Arial" charset="0"/>
+                <a:latin typeface="+mn-lt"/>
                 <a:cs typeface="Arial" charset="0"/>
               </a:rPr>
               <a:t> </a:t>
@@ -6124,7 +6248,7 @@
         </p:nvSpPr>
         <p:spPr bwMode="auto">
           <a:xfrm rot="16200000">
-            <a:off x="6578179" y="2881316"/>
+            <a:off x="6501979" y="2881316"/>
             <a:ext cx="935385" cy="255588"/>
           </a:xfrm>
           <a:prstGeom prst="rect">
@@ -6153,7 +6277,6 @@
                 <a:solidFill>
                   <a:srgbClr val="000000"/>
                 </a:solidFill>
-                <a:latin typeface="Arial"/>
                 <a:ea typeface="+mn-ea"/>
                 <a:cs typeface="Arial"/>
               </a:rPr>
@@ -6163,7 +6286,6 @@
               <a:solidFill>
                 <a:srgbClr val="000000"/>
               </a:solidFill>
-              <a:latin typeface="Arial"/>
               <a:ea typeface="+mn-ea"/>
               <a:cs typeface="Arial"/>
             </a:endParaRPr>
@@ -6209,7 +6331,6 @@
               <a:solidFill>
                 <a:schemeClr val="tx1"/>
               </a:solidFill>
-              <a:latin typeface="Microsoft Sans Serif" pitchFamily="34" charset="0"/>
               <a:ea typeface="+mn-ea"/>
               <a:cs typeface="+mn-cs"/>
             </a:endParaRPr>
@@ -6291,7 +6412,6 @@
               <a:solidFill>
                 <a:schemeClr val="tx1"/>
               </a:solidFill>
-              <a:latin typeface="Microsoft Sans Serif" pitchFamily="34" charset="0"/>
               <a:ea typeface="+mn-ea"/>
               <a:cs typeface="+mn-cs"/>
             </a:endParaRPr>
@@ -6337,7 +6457,6 @@
               <a:solidFill>
                 <a:schemeClr val="tx1"/>
               </a:solidFill>
-              <a:latin typeface="Microsoft Sans Serif" pitchFamily="34" charset="0"/>
               <a:ea typeface="+mn-ea"/>
               <a:cs typeface="+mn-cs"/>
             </a:endParaRPr>
@@ -6534,13 +6653,11 @@
             <a:pPr algn="ctr"/>
             <a:r>
               <a:rPr lang="de-DE" sz="1000" dirty="0" smtClean="0">
-                <a:latin typeface="Calibri"/>
                 <a:cs typeface="Calibri"/>
               </a:rPr>
               <a:t>A</a:t>
             </a:r>
             <a:endParaRPr lang="de-DE" sz="1000" dirty="0">
-              <a:latin typeface="Calibri"/>
               <a:cs typeface="Calibri"/>
             </a:endParaRPr>
           </a:p>
@@ -6705,7 +6822,7 @@
                 <a:solidFill>
                   <a:srgbClr val="000000"/>
                 </a:solidFill>
-                <a:latin typeface="Arial" charset="0"/>
+                <a:latin typeface="+mn-lt"/>
                 <a:cs typeface="Arial" charset="0"/>
               </a:rPr>
               <a:t>l-hand</a:t>
@@ -6714,7 +6831,7 @@
               <a:solidFill>
                 <a:srgbClr val="000000"/>
               </a:solidFill>
-              <a:latin typeface="Arial" charset="0"/>
+              <a:latin typeface="+mn-lt"/>
               <a:cs typeface="Arial" charset="0"/>
             </a:endParaRPr>
           </a:p>
@@ -6879,7 +6996,7 @@
                 <a:solidFill>
                   <a:srgbClr val="000000"/>
                 </a:solidFill>
-                <a:latin typeface="Arial" charset="0"/>
+                <a:latin typeface="+mn-lt"/>
                 <a:cs typeface="Arial" charset="0"/>
               </a:rPr>
               <a:t>r</a:t>
@@ -6889,7 +7006,7 @@
                 <a:solidFill>
                   <a:srgbClr val="000000"/>
                 </a:solidFill>
-                <a:latin typeface="Arial" charset="0"/>
+                <a:latin typeface="+mn-lt"/>
                 <a:cs typeface="Arial" charset="0"/>
               </a:rPr>
               <a:t>-hand</a:t>
@@ -6898,7 +7015,7 @@
               <a:solidFill>
                 <a:srgbClr val="000000"/>
               </a:solidFill>
-              <a:latin typeface="Arial" charset="0"/>
+              <a:latin typeface="+mn-lt"/>
               <a:cs typeface="Arial" charset="0"/>
             </a:endParaRPr>
           </a:p>
@@ -6943,7 +7060,6 @@
               <a:solidFill>
                 <a:schemeClr val="tx1"/>
               </a:solidFill>
-              <a:latin typeface="Microsoft Sans Serif" pitchFamily="34" charset="0"/>
               <a:ea typeface="+mn-ea"/>
               <a:cs typeface="+mn-cs"/>
             </a:endParaRPr>
@@ -7025,7 +7141,6 @@
               <a:solidFill>
                 <a:schemeClr val="tx1"/>
               </a:solidFill>
-              <a:latin typeface="Microsoft Sans Serif" pitchFamily="34" charset="0"/>
               <a:ea typeface="+mn-ea"/>
               <a:cs typeface="+mn-cs"/>
             </a:endParaRPr>
@@ -7071,7 +7186,6 @@
               <a:solidFill>
                 <a:schemeClr val="tx1"/>
               </a:solidFill>
-              <a:latin typeface="Microsoft Sans Serif" pitchFamily="34" charset="0"/>
               <a:ea typeface="+mn-ea"/>
               <a:cs typeface="+mn-cs"/>
             </a:endParaRPr>
@@ -7086,7 +7200,7 @@
         </p:nvSpPr>
         <p:spPr>
           <a:xfrm>
-            <a:off x="3669508" y="3780941"/>
+            <a:off x="3691706" y="3847870"/>
             <a:ext cx="64997" cy="153888"/>
           </a:xfrm>
           <a:prstGeom prst="rect">
@@ -7148,7 +7262,7 @@
         </p:nvSpPr>
         <p:spPr>
           <a:xfrm>
-            <a:off x="3226492" y="3776708"/>
+            <a:off x="3253841" y="3847870"/>
             <a:ext cx="64997" cy="153888"/>
           </a:xfrm>
           <a:prstGeom prst="rect">
@@ -7244,7 +7358,6 @@
               <a:solidFill>
                 <a:schemeClr val="tx1"/>
               </a:solidFill>
-              <a:latin typeface="Microsoft Sans Serif" pitchFamily="34" charset="0"/>
               <a:ea typeface="+mn-ea"/>
               <a:cs typeface="+mn-cs"/>
             </a:endParaRPr>
@@ -7441,7 +7554,7 @@
                 <a:solidFill>
                   <a:srgbClr val="000000"/>
                 </a:solidFill>
-                <a:latin typeface="Arial" charset="0"/>
+                <a:latin typeface="+mn-lt"/>
                 <a:cs typeface="Arial" charset="0"/>
               </a:rPr>
               <a:t>Node</a:t>
@@ -7451,46 +7564,126 @@
                 <a:solidFill>
                   <a:srgbClr val="000000"/>
                 </a:solidFill>
-                <a:latin typeface="Arial" charset="0"/>
+                <a:latin typeface="+mn-lt"/>
                 <a:cs typeface="Arial" charset="0"/>
               </a:rPr>
               <a:t> </a:t>
             </a:r>
             <a:r>
-              <a:rPr lang="de-DE" i="1" dirty="0" err="1" smtClean="0">
-                <a:solidFill>
-                  <a:srgbClr val="000000"/>
-                </a:solidFill>
-                <a:latin typeface="Arial" charset="0"/>
+              <a:rPr lang="de-DE" i="1" dirty="0" err="1">
+                <a:solidFill>
+                  <a:srgbClr val="000000"/>
+                </a:solidFill>
+                <a:latin typeface="+mn-lt"/>
                 <a:cs typeface="Arial" charset="0"/>
               </a:rPr>
-              <a:t>Types</a:t>
-            </a:r>
-            <a:r>
-              <a:rPr lang="de-DE" i="1" dirty="0" smtClean="0">
-                <a:solidFill>
-                  <a:srgbClr val="000000"/>
-                </a:solidFill>
-                <a:latin typeface="Arial" charset="0"/>
+              <a:t>t</a:t>
+            </a:r>
+            <a:r>
+              <a:rPr lang="de-DE" i="1" dirty="0" err="1" smtClean="0">
+                <a:solidFill>
+                  <a:srgbClr val="000000"/>
+                </a:solidFill>
+                <a:latin typeface="+mn-lt"/>
                 <a:cs typeface="Arial" charset="0"/>
               </a:rPr>
-              <a:t> &amp; Reference Attribute </a:t>
-            </a:r>
-            <a:r>
-              <a:rPr lang="de-DE" i="1" dirty="0" err="1" smtClean="0">
-                <a:solidFill>
-                  <a:srgbClr val="000000"/>
-                </a:solidFill>
-                <a:latin typeface="Arial" charset="0"/>
+              <a:t>ypes</a:t>
+            </a:r>
+            <a:r>
+              <a:rPr lang="de-DE" i="1" dirty="0" smtClean="0">
+                <a:solidFill>
+                  <a:srgbClr val="000000"/>
+                </a:solidFill>
+                <a:latin typeface="+mn-lt"/>
                 <a:cs typeface="Arial" charset="0"/>
               </a:rPr>
-              <a:t>Names</a:t>
+              <a:t> </a:t>
+            </a:r>
+            <a:r>
+              <a:rPr lang="de-DE" i="1" dirty="0" smtClean="0">
+                <a:solidFill>
+                  <a:srgbClr val="000000"/>
+                </a:solidFill>
+                <a:latin typeface="+mn-lt"/>
+                <a:cs typeface="Arial" charset="0"/>
+              </a:rPr>
+              <a:t>&amp; </a:t>
+            </a:r>
+            <a:r>
+              <a:rPr lang="de-DE" i="1" dirty="0" err="1" smtClean="0">
+                <a:solidFill>
+                  <a:srgbClr val="000000"/>
+                </a:solidFill>
+                <a:latin typeface="+mn-lt"/>
+                <a:cs typeface="Arial" charset="0"/>
+              </a:rPr>
+              <a:t>reference</a:t>
+            </a:r>
+            <a:r>
+              <a:rPr lang="de-DE" i="1" dirty="0" smtClean="0">
+                <a:solidFill>
+                  <a:srgbClr val="000000"/>
+                </a:solidFill>
+                <a:latin typeface="+mn-lt"/>
+                <a:cs typeface="Arial" charset="0"/>
+              </a:rPr>
+              <a:t> </a:t>
+            </a:r>
+            <a:r>
+              <a:rPr lang="de-DE" i="1" dirty="0" err="1">
+                <a:solidFill>
+                  <a:srgbClr val="000000"/>
+                </a:solidFill>
+                <a:latin typeface="+mn-lt"/>
+                <a:cs typeface="Arial" charset="0"/>
+              </a:rPr>
+              <a:t>a</a:t>
+            </a:r>
+            <a:r>
+              <a:rPr lang="de-DE" i="1" dirty="0" err="1" smtClean="0">
+                <a:solidFill>
+                  <a:srgbClr val="000000"/>
+                </a:solidFill>
+                <a:latin typeface="+mn-lt"/>
+                <a:cs typeface="Arial" charset="0"/>
+              </a:rPr>
+              <a:t>ttribute</a:t>
+            </a:r>
+            <a:r>
+              <a:rPr lang="de-DE" i="1" dirty="0" smtClean="0">
+                <a:solidFill>
+                  <a:srgbClr val="000000"/>
+                </a:solidFill>
+                <a:latin typeface="+mn-lt"/>
+                <a:cs typeface="Arial" charset="0"/>
+              </a:rPr>
+              <a:t> </a:t>
+            </a:r>
+            <a:r>
+              <a:rPr lang="de-DE" i="1" dirty="0" err="1">
+                <a:solidFill>
+                  <a:srgbClr val="000000"/>
+                </a:solidFill>
+                <a:latin typeface="+mn-lt"/>
+                <a:cs typeface="Arial" charset="0"/>
+              </a:rPr>
+              <a:t>n</a:t>
+            </a:r>
+            <a:r>
+              <a:rPr lang="de-DE" i="1" dirty="0" err="1" smtClean="0">
+                <a:solidFill>
+                  <a:srgbClr val="000000"/>
+                </a:solidFill>
+                <a:latin typeface="+mn-lt"/>
+                <a:cs typeface="Arial" charset="0"/>
+              </a:rPr>
+              <a:t>ames</a:t>
             </a:r>
             <a:endParaRPr lang="de-DE" b="0" i="1" dirty="0" smtClean="0">
               <a:solidFill>
                 <a:srgbClr val="000000"/>
               </a:solidFill>
-              <a:latin typeface="Arial" charset="0"/>
+              <a:latin typeface="+mn-lt"/>
               <a:cs typeface="Arial" charset="0"/>
             </a:endParaRPr>
           </a:p>
@@ -7507,7 +7700,7 @@
         <p:spPr bwMode="auto">
           <a:xfrm>
             <a:off x="3938238" y="4023495"/>
-            <a:ext cx="1243930" cy="307777"/>
+            <a:ext cx="1154162" cy="307777"/>
           </a:xfrm>
           <a:prstGeom prst="rect">
             <a:avLst/>
@@ -7658,11 +7851,28 @@
                 <a:solidFill>
                   <a:srgbClr val="000000"/>
                 </a:solidFill>
-                <a:latin typeface="Arial" charset="0"/>
+                <a:latin typeface="+mn-lt"/>
                 <a:cs typeface="Arial" charset="0"/>
               </a:rPr>
-              <a:t>Return Statement</a:t>
-            </a:r>
+              <a:t>Return </a:t>
+            </a:r>
+            <a:r>
+              <a:rPr lang="de-DE" b="0" dirty="0" err="1" smtClean="0">
+                <a:solidFill>
+                  <a:srgbClr val="000000"/>
+                </a:solidFill>
+                <a:latin typeface="+mn-lt"/>
+                <a:cs typeface="Arial" charset="0"/>
+              </a:rPr>
+              <a:t>statement</a:t>
+            </a:r>
+            <a:endParaRPr lang="de-DE" b="0" dirty="0" smtClean="0">
+              <a:solidFill>
+                <a:srgbClr val="000000"/>
+              </a:solidFill>
+              <a:latin typeface="+mn-lt"/>
+              <a:cs typeface="Arial" charset="0"/>
+            </a:endParaRPr>
           </a:p>
           <a:p>
             <a:pPr marL="228600" indent="-228600" algn="ctr" eaLnBrk="1" hangingPunct="1">
@@ -7674,7 +7884,7 @@
                 <a:solidFill>
                   <a:srgbClr val="000000"/>
                 </a:solidFill>
-                <a:latin typeface="Arial" charset="0"/>
+                <a:latin typeface="+mn-lt"/>
                 <a:cs typeface="Arial" charset="0"/>
               </a:rPr>
               <a:t>Expression</a:t>
@@ -7690,7 +7900,7 @@
         </p:nvSpPr>
         <p:spPr>
           <a:xfrm>
-            <a:off x="5260829" y="4291500"/>
+            <a:off x="5279879" y="4304200"/>
             <a:ext cx="76944" cy="153888"/>
           </a:xfrm>
           <a:prstGeom prst="rect">
@@ -7707,13 +7917,11 @@
             <a:pPr algn="ctr"/>
             <a:r>
               <a:rPr lang="de-DE" sz="1000" dirty="0" smtClean="0">
-                <a:latin typeface="Calibri"/>
                 <a:cs typeface="Calibri"/>
               </a:rPr>
               <a:t>A</a:t>
             </a:r>
             <a:endParaRPr lang="de-DE" sz="1000" dirty="0">
-              <a:latin typeface="Calibri"/>
               <a:cs typeface="Calibri"/>
             </a:endParaRPr>
           </a:p>
@@ -7729,7 +7937,7 @@
         </p:nvCxnSpPr>
         <p:spPr bwMode="auto">
           <a:xfrm flipH="1">
-            <a:off x="5101122" y="4439038"/>
+            <a:off x="5110647" y="4451738"/>
             <a:ext cx="311269" cy="1"/>
           </a:xfrm>
           <a:prstGeom prst="straightConnector1">
@@ -7764,8 +7972,8 @@
         </p:nvSpPr>
         <p:spPr bwMode="auto">
           <a:xfrm>
-            <a:off x="5464189" y="4335206"/>
-            <a:ext cx="1240449" cy="153888"/>
+            <a:off x="5464189" y="4341556"/>
+            <a:ext cx="1131745" cy="153888"/>
           </a:xfrm>
           <a:prstGeom prst="rect">
             <a:avLst/>
@@ -7913,7 +8121,7 @@
                 <a:solidFill>
                   <a:srgbClr val="000000"/>
                 </a:solidFill>
-                <a:latin typeface="Arial" charset="0"/>
+                <a:latin typeface="+mn-lt"/>
                 <a:cs typeface="Arial" charset="0"/>
               </a:rPr>
               <a:t>Containing</a:t>
@@ -7923,26 +8131,36 @@
                 <a:solidFill>
                   <a:srgbClr val="000000"/>
                 </a:solidFill>
-                <a:latin typeface="Arial" charset="0"/>
+                <a:latin typeface="+mn-lt"/>
                 <a:cs typeface="Arial" charset="0"/>
               </a:rPr>
               <a:t> </a:t>
             </a:r>
             <a:r>
-              <a:rPr lang="de-DE" b="0" dirty="0" err="1" smtClean="0">
-                <a:solidFill>
-                  <a:srgbClr val="000000"/>
-                </a:solidFill>
-                <a:latin typeface="Arial" charset="0"/>
+              <a:rPr lang="de-DE" b="0" dirty="0" err="1">
+                <a:solidFill>
+                  <a:srgbClr val="000000"/>
+                </a:solidFill>
+                <a:latin typeface="+mn-lt"/>
                 <a:cs typeface="Arial" charset="0"/>
               </a:rPr>
-              <a:t>Procedure</a:t>
+              <a:t>p</a:t>
+            </a:r>
+            <a:r>
+              <a:rPr lang="de-DE" b="0" dirty="0" err="1" smtClean="0">
+                <a:solidFill>
+                  <a:srgbClr val="000000"/>
+                </a:solidFill>
+                <a:latin typeface="+mn-lt"/>
+                <a:cs typeface="Arial" charset="0"/>
+              </a:rPr>
+              <a:t>rocedure</a:t>
             </a:r>
             <a:endParaRPr lang="de-DE" b="0" dirty="0" smtClean="0">
               <a:solidFill>
                 <a:srgbClr val="000000"/>
               </a:solidFill>
-              <a:latin typeface="Arial" charset="0"/>
+              <a:latin typeface="+mn-lt"/>
               <a:cs typeface="Arial" charset="0"/>
             </a:endParaRPr>
           </a:p>
@@ -7959,7 +8177,7 @@
         <p:spPr bwMode="auto">
           <a:xfrm>
             <a:off x="5234162" y="4028456"/>
-            <a:ext cx="1500411" cy="307777"/>
+            <a:ext cx="1384995" cy="307777"/>
           </a:xfrm>
           <a:prstGeom prst="rect">
             <a:avLst/>
@@ -8110,7 +8328,7 @@
                 <a:solidFill>
                   <a:srgbClr val="000000"/>
                 </a:solidFill>
-                <a:latin typeface="Arial" charset="0"/>
+                <a:latin typeface="+mn-lt"/>
                 <a:cs typeface="Arial" charset="0"/>
               </a:rPr>
               <a:t>Procedure</a:t>
@@ -8120,26 +8338,36 @@
                 <a:solidFill>
                   <a:srgbClr val="000000"/>
                 </a:solidFill>
-                <a:latin typeface="Arial" charset="0"/>
+                <a:latin typeface="+mn-lt"/>
                 <a:cs typeface="Arial" charset="0"/>
               </a:rPr>
               <a:t> </a:t>
             </a:r>
             <a:r>
-              <a:rPr lang="de-DE" b="0" dirty="0" err="1" smtClean="0">
-                <a:solidFill>
-                  <a:srgbClr val="000000"/>
-                </a:solidFill>
-                <a:latin typeface="Arial" charset="0"/>
+              <a:rPr lang="de-DE" b="0" dirty="0" err="1">
+                <a:solidFill>
+                  <a:srgbClr val="000000"/>
+                </a:solidFill>
+                <a:latin typeface="+mn-lt"/>
                 <a:cs typeface="Arial" charset="0"/>
               </a:rPr>
-              <a:t>Declaration</a:t>
+              <a:t>d</a:t>
+            </a:r>
+            <a:r>
+              <a:rPr lang="de-DE" b="0" dirty="0" err="1" smtClean="0">
+                <a:solidFill>
+                  <a:srgbClr val="000000"/>
+                </a:solidFill>
+                <a:latin typeface="+mn-lt"/>
+                <a:cs typeface="Arial" charset="0"/>
+              </a:rPr>
+              <a:t>eclaration</a:t>
             </a:r>
             <a:endParaRPr lang="de-DE" b="0" dirty="0" smtClean="0">
               <a:solidFill>
                 <a:srgbClr val="000000"/>
               </a:solidFill>
-              <a:latin typeface="Arial" charset="0"/>
+              <a:latin typeface="+mn-lt"/>
               <a:cs typeface="Arial" charset="0"/>
             </a:endParaRPr>
           </a:p>
@@ -8153,11 +8381,28 @@
                 <a:solidFill>
                   <a:srgbClr val="000000"/>
                 </a:solidFill>
-                <a:latin typeface="Arial" charset="0"/>
+                <a:latin typeface="+mn-lt"/>
                 <a:cs typeface="Arial" charset="0"/>
               </a:rPr>
-              <a:t>Real Cast</a:t>
-            </a:r>
+              <a:t>Real </a:t>
+            </a:r>
+            <a:r>
+              <a:rPr lang="de-DE" b="0" dirty="0" err="1" smtClean="0">
+                <a:solidFill>
+                  <a:srgbClr val="000000"/>
+                </a:solidFill>
+                <a:latin typeface="+mn-lt"/>
+                <a:cs typeface="Arial" charset="0"/>
+              </a:rPr>
+              <a:t>cast</a:t>
+            </a:r>
+            <a:endParaRPr lang="de-DE" b="0" dirty="0" smtClean="0">
+              <a:solidFill>
+                <a:srgbClr val="000000"/>
+              </a:solidFill>
+              <a:latin typeface="+mn-lt"/>
+              <a:cs typeface="Arial" charset="0"/>
+            </a:endParaRPr>
           </a:p>
         </p:txBody>
       </p:sp>
@@ -8434,7 +8679,7 @@
                 <a:solidFill>
                   <a:srgbClr val="000000"/>
                 </a:solidFill>
-                <a:latin typeface="Arial" charset="0"/>
+                <a:latin typeface="+mn-lt"/>
                 <a:cs typeface="Arial" charset="0"/>
               </a:rPr>
               <a:t>Condition</a:t>
@@ -8444,27 +8689,37 @@
                 <a:solidFill>
                   <a:srgbClr val="000000"/>
                 </a:solidFill>
-                <a:latin typeface="Arial" charset="0"/>
+                <a:latin typeface="+mn-lt"/>
                 <a:cs typeface="Arial" charset="0"/>
               </a:rPr>
-              <a:t> </a:t>
+              <a:t>: </a:t>
             </a:r>
             <a:r>
               <a:rPr lang="de-DE" b="0" i="1" dirty="0" smtClean="0">
                 <a:solidFill>
                   <a:srgbClr val="000000"/>
                 </a:solidFill>
-                <a:latin typeface="Arial" charset="0"/>
+                <a:latin typeface="+mn-lt"/>
                 <a:cs typeface="Arial" charset="0"/>
               </a:rPr>
-              <a:t> Return-Type(     ) = Real  </a:t>
+              <a:t>Return-type</a:t>
+            </a:r>
+            <a:r>
+              <a:rPr lang="de-DE" b="0" i="1" dirty="0" smtClean="0">
+                <a:solidFill>
+                  <a:srgbClr val="000000"/>
+                </a:solidFill>
+                <a:latin typeface="+mn-lt"/>
+                <a:cs typeface="Arial" charset="0"/>
+              </a:rPr>
+              <a:t>(     ) = Real  </a:t>
             </a:r>
             <a:r>
               <a:rPr lang="de-DE" b="0" dirty="0" smtClean="0">
                 <a:solidFill>
                   <a:srgbClr val="000000"/>
                 </a:solidFill>
-                <a:latin typeface="ＭＳ ゴシック"/>
+                <a:latin typeface="+mn-lt"/>
                 <a:ea typeface="ＭＳ ゴシック"/>
                 <a:cs typeface="ＭＳ ゴシック"/>
               </a:rPr>
@@ -8475,7 +8730,7 @@
                 <a:solidFill>
                   <a:srgbClr val="000000"/>
                 </a:solidFill>
-                <a:latin typeface="ＭＳ ゴシック"/>
+                <a:latin typeface="+mn-lt"/>
                 <a:ea typeface="ＭＳ ゴシック"/>
                 <a:cs typeface="ＭＳ ゴシック"/>
               </a:rPr>
@@ -8486,10 +8741,30 @@
                 <a:solidFill>
                   <a:srgbClr val="000000"/>
                 </a:solidFill>
-                <a:latin typeface="Arial" charset="0"/>
+                <a:latin typeface="+mn-lt"/>
                 <a:cs typeface="Arial" charset="0"/>
               </a:rPr>
-              <a:t>Type(     ) = Integer</a:t>
+              <a:t>T</a:t>
+            </a:r>
+            <a:r>
+              <a:rPr lang="de-DE" b="0" i="1" dirty="0" smtClean="0">
+                <a:solidFill>
+                  <a:srgbClr val="000000"/>
+                </a:solidFill>
+                <a:latin typeface="+mn-lt"/>
+                <a:cs typeface="Arial" charset="0"/>
+              </a:rPr>
+              <a:t>ype</a:t>
+            </a:r>
+            <a:r>
+              <a:rPr lang="de-DE" b="0" i="1" dirty="0" smtClean="0">
+                <a:solidFill>
+                  <a:srgbClr val="000000"/>
+                </a:solidFill>
+                <a:latin typeface="+mn-lt"/>
+                <a:cs typeface="Arial" charset="0"/>
+              </a:rPr>
+              <a:t>(     ) = Integer</a:t>
             </a:r>
           </a:p>
         </p:txBody>
@@ -8504,8 +8779,8 @@
         </p:nvSpPr>
         <p:spPr bwMode="auto">
           <a:xfrm>
-            <a:off x="4215477" y="4618308"/>
-            <a:ext cx="128988" cy="153888"/>
+            <a:off x="3999577" y="4602433"/>
+            <a:ext cx="128988" cy="523220"/>
           </a:xfrm>
           <a:prstGeom prst="rect">
             <a:avLst/>
@@ -8656,7 +8931,7 @@
                 <a:solidFill>
                   <a:srgbClr val="000000"/>
                 </a:solidFill>
-                <a:latin typeface="Arial" charset="0"/>
+                <a:latin typeface="+mn-lt"/>
                 <a:cs typeface="Arial" charset="0"/>
               </a:rPr>
               <a:t> </a:t>
@@ -8674,8 +8949,8 @@
         </p:nvSpPr>
         <p:spPr bwMode="auto">
           <a:xfrm>
-            <a:off x="5412624" y="4621483"/>
-            <a:ext cx="128988" cy="153888"/>
+            <a:off x="5022099" y="4605608"/>
+            <a:ext cx="128988" cy="523220"/>
           </a:xfrm>
           <a:prstGeom prst="rect">
             <a:avLst/>
@@ -8826,7 +9101,7 @@
                 <a:solidFill>
                   <a:srgbClr val="000000"/>
                 </a:solidFill>
-                <a:latin typeface="Arial" charset="0"/>
+                <a:latin typeface="+mn-lt"/>
                 <a:cs typeface="Arial" charset="0"/>
               </a:rPr>
               <a:t> </a:t>
@@ -8844,7 +9119,7 @@
         </p:nvSpPr>
         <p:spPr bwMode="auto">
           <a:xfrm rot="16200000">
-            <a:off x="6578180" y="4192488"/>
+            <a:off x="6501980" y="4192488"/>
             <a:ext cx="935385" cy="255588"/>
           </a:xfrm>
           <a:prstGeom prst="rect">
@@ -8873,12 +9148,16 @@
                 <a:solidFill>
                   <a:srgbClr val="000000"/>
                 </a:solidFill>
-                <a:latin typeface="Arial"/>
-                <a:ea typeface="+mn-ea"/>
                 <a:cs typeface="Arial"/>
               </a:rPr>
               <a:t>Procedure</a:t>
             </a:r>
+            <a:endParaRPr lang="en-US" sz="1200" b="1" dirty="0" smtClean="0">
+              <a:solidFill>
+                <a:srgbClr val="000000"/>
+              </a:solidFill>
+              <a:cs typeface="Arial"/>
+            </a:endParaRPr>
           </a:p>
           <a:p>
             <a:pPr marL="342900" indent="-342900" algn="ctr">
@@ -8888,21 +9167,27 @@
               <a:defRPr/>
             </a:pPr>
             <a:r>
-              <a:rPr lang="en-US" sz="1200" b="1" kern="0" dirty="0" smtClean="0">
-                <a:solidFill>
-                  <a:srgbClr val="000000"/>
-                </a:solidFill>
-                <a:latin typeface="Arial"/>
+              <a:rPr lang="en-US" sz="1200" b="1" kern="0" dirty="0">
+                <a:solidFill>
+                  <a:srgbClr val="000000"/>
+                </a:solidFill>
                 <a:cs typeface="Arial"/>
               </a:rPr>
-              <a:t>Return</a:t>
+              <a:t>r</a:t>
+            </a:r>
+            <a:r>
+              <a:rPr lang="en-US" sz="1200" b="1" kern="0" dirty="0" smtClean="0">
+                <a:solidFill>
+                  <a:srgbClr val="000000"/>
+                </a:solidFill>
+                <a:cs typeface="Arial"/>
+              </a:rPr>
+              <a:t>eturn</a:t>
             </a:r>
             <a:endParaRPr lang="en-US" sz="1200" b="1" kern="0" dirty="0">
               <a:solidFill>
                 <a:srgbClr val="000000"/>
               </a:solidFill>
-              <a:latin typeface="Arial"/>
-              <a:ea typeface="+mn-ea"/>
               <a:cs typeface="Arial"/>
             </a:endParaRPr>
           </a:p>
@@ -8947,7 +9232,6 @@
               <a:solidFill>
                 <a:schemeClr val="tx1"/>
               </a:solidFill>
-              <a:latin typeface="Microsoft Sans Serif" pitchFamily="34" charset="0"/>
               <a:ea typeface="+mn-ea"/>
               <a:cs typeface="+mn-cs"/>
             </a:endParaRPr>
@@ -9029,7 +9313,6 @@
               <a:solidFill>
                 <a:schemeClr val="tx1"/>
               </a:solidFill>
-              <a:latin typeface="Microsoft Sans Serif" pitchFamily="34" charset="0"/>
               <a:ea typeface="+mn-ea"/>
               <a:cs typeface="+mn-cs"/>
             </a:endParaRPr>
@@ -9173,7 +9456,6 @@
               <a:solidFill>
                 <a:schemeClr val="tx1"/>
               </a:solidFill>
-              <a:latin typeface="Microsoft Sans Serif" pitchFamily="34" charset="0"/>
               <a:ea typeface="+mn-ea"/>
               <a:cs typeface="+mn-cs"/>
             </a:endParaRPr>
@@ -9250,7 +9532,6 @@
               <a:solidFill>
                 <a:schemeClr val="tx1"/>
               </a:solidFill>
-              <a:latin typeface="Microsoft Sans Serif" pitchFamily="34" charset="0"/>
               <a:ea typeface="+mn-ea"/>
               <a:cs typeface="+mn-cs"/>
             </a:endParaRPr>
@@ -9332,7 +9613,6 @@
               <a:solidFill>
                 <a:schemeClr val="tx1"/>
               </a:solidFill>
-              <a:latin typeface="Microsoft Sans Serif" pitchFamily="34" charset="0"/>
               <a:ea typeface="+mn-ea"/>
               <a:cs typeface="+mn-cs"/>
             </a:endParaRPr>
@@ -9476,7 +9756,6 @@
               <a:solidFill>
                 <a:schemeClr val="tx1"/>
               </a:solidFill>
-              <a:latin typeface="Microsoft Sans Serif" pitchFamily="34" charset="0"/>
               <a:ea typeface="+mn-ea"/>
               <a:cs typeface="+mn-cs"/>
             </a:endParaRPr>
@@ -9553,7 +9832,6 @@
               <a:solidFill>
                 <a:schemeClr val="tx1"/>
               </a:solidFill>
-              <a:latin typeface="Microsoft Sans Serif" pitchFamily="34" charset="0"/>
               <a:ea typeface="+mn-ea"/>
               <a:cs typeface="+mn-cs"/>
             </a:endParaRPr>
@@ -9786,7 +10064,7 @@
                 <a:solidFill>
                   <a:srgbClr val="000000"/>
                 </a:solidFill>
-                <a:latin typeface="Arial" charset="0"/>
+                <a:latin typeface="+mn-lt"/>
                 <a:cs typeface="Arial" charset="0"/>
               </a:rPr>
               <a:t>l-hand</a:t>
@@ -9795,7 +10073,7 @@
               <a:solidFill>
                 <a:srgbClr val="000000"/>
               </a:solidFill>
-              <a:latin typeface="Arial" charset="0"/>
+              <a:latin typeface="+mn-lt"/>
               <a:cs typeface="Arial" charset="0"/>
             </a:endParaRPr>
           </a:p>
@@ -9960,7 +10238,7 @@
                 <a:solidFill>
                   <a:srgbClr val="000000"/>
                 </a:solidFill>
-                <a:latin typeface="Arial" charset="0"/>
+                <a:latin typeface="+mn-lt"/>
                 <a:cs typeface="Arial" charset="0"/>
               </a:rPr>
               <a:t>r</a:t>
@@ -9970,7 +10248,7 @@
                 <a:solidFill>
                   <a:srgbClr val="000000"/>
                 </a:solidFill>
-                <a:latin typeface="Arial" charset="0"/>
+                <a:latin typeface="+mn-lt"/>
                 <a:cs typeface="Arial" charset="0"/>
               </a:rPr>
               <a:t>-hand</a:t>
@@ -9979,7 +10257,7 @@
               <a:solidFill>
                 <a:srgbClr val="000000"/>
               </a:solidFill>
-              <a:latin typeface="Arial" charset="0"/>
+              <a:latin typeface="+mn-lt"/>
               <a:cs typeface="Arial" charset="0"/>
             </a:endParaRPr>
           </a:p>
@@ -10179,7 +10457,7 @@
                 <a:solidFill>
                   <a:srgbClr val="000000"/>
                 </a:solidFill>
-                <a:latin typeface="Arial" charset="0"/>
+                <a:latin typeface="+mn-lt"/>
                 <a:cs typeface="Arial" charset="0"/>
               </a:rPr>
               <a:t>Node</a:t>
@@ -10189,46 +10467,126 @@
                 <a:solidFill>
                   <a:srgbClr val="000000"/>
                 </a:solidFill>
-                <a:latin typeface="Arial" charset="0"/>
+                <a:latin typeface="+mn-lt"/>
                 <a:cs typeface="Arial" charset="0"/>
               </a:rPr>
               <a:t> </a:t>
             </a:r>
             <a:r>
-              <a:rPr lang="de-DE" i="1" dirty="0" err="1" smtClean="0">
-                <a:solidFill>
-                  <a:srgbClr val="000000"/>
-                </a:solidFill>
-                <a:latin typeface="Arial" charset="0"/>
+              <a:rPr lang="de-DE" i="1" dirty="0" err="1">
+                <a:solidFill>
+                  <a:srgbClr val="000000"/>
+                </a:solidFill>
+                <a:latin typeface="+mn-lt"/>
                 <a:cs typeface="Arial" charset="0"/>
               </a:rPr>
-              <a:t>Types</a:t>
-            </a:r>
-            <a:r>
-              <a:rPr lang="de-DE" i="1" dirty="0" smtClean="0">
-                <a:solidFill>
-                  <a:srgbClr val="000000"/>
-                </a:solidFill>
-                <a:latin typeface="Arial" charset="0"/>
+              <a:t>t</a:t>
+            </a:r>
+            <a:r>
+              <a:rPr lang="de-DE" i="1" dirty="0" err="1" smtClean="0">
+                <a:solidFill>
+                  <a:srgbClr val="000000"/>
+                </a:solidFill>
+                <a:latin typeface="+mn-lt"/>
                 <a:cs typeface="Arial" charset="0"/>
               </a:rPr>
-              <a:t> &amp; Reference Attribute </a:t>
-            </a:r>
-            <a:r>
-              <a:rPr lang="de-DE" i="1" dirty="0" err="1" smtClean="0">
-                <a:solidFill>
-                  <a:srgbClr val="000000"/>
-                </a:solidFill>
-                <a:latin typeface="Arial" charset="0"/>
+              <a:t>ypes</a:t>
+            </a:r>
+            <a:r>
+              <a:rPr lang="de-DE" i="1" dirty="0" smtClean="0">
+                <a:solidFill>
+                  <a:srgbClr val="000000"/>
+                </a:solidFill>
+                <a:latin typeface="+mn-lt"/>
                 <a:cs typeface="Arial" charset="0"/>
               </a:rPr>
-              <a:t>Names</a:t>
+              <a:t> </a:t>
+            </a:r>
+            <a:r>
+              <a:rPr lang="de-DE" i="1" dirty="0" smtClean="0">
+                <a:solidFill>
+                  <a:srgbClr val="000000"/>
+                </a:solidFill>
+                <a:latin typeface="+mn-lt"/>
+                <a:cs typeface="Arial" charset="0"/>
+              </a:rPr>
+              <a:t>&amp; </a:t>
+            </a:r>
+            <a:r>
+              <a:rPr lang="de-DE" i="1" dirty="0" err="1" smtClean="0">
+                <a:solidFill>
+                  <a:srgbClr val="000000"/>
+                </a:solidFill>
+                <a:latin typeface="+mn-lt"/>
+                <a:cs typeface="Arial" charset="0"/>
+              </a:rPr>
+              <a:t>reference</a:t>
+            </a:r>
+            <a:r>
+              <a:rPr lang="de-DE" i="1" dirty="0" smtClean="0">
+                <a:solidFill>
+                  <a:srgbClr val="000000"/>
+                </a:solidFill>
+                <a:latin typeface="+mn-lt"/>
+                <a:cs typeface="Arial" charset="0"/>
+              </a:rPr>
+              <a:t> </a:t>
+            </a:r>
+            <a:r>
+              <a:rPr lang="de-DE" i="1" dirty="0" err="1">
+                <a:solidFill>
+                  <a:srgbClr val="000000"/>
+                </a:solidFill>
+                <a:latin typeface="+mn-lt"/>
+                <a:cs typeface="Arial" charset="0"/>
+              </a:rPr>
+              <a:t>a</a:t>
+            </a:r>
+            <a:r>
+              <a:rPr lang="de-DE" i="1" dirty="0" err="1" smtClean="0">
+                <a:solidFill>
+                  <a:srgbClr val="000000"/>
+                </a:solidFill>
+                <a:latin typeface="+mn-lt"/>
+                <a:cs typeface="Arial" charset="0"/>
+              </a:rPr>
+              <a:t>ttribute</a:t>
+            </a:r>
+            <a:r>
+              <a:rPr lang="de-DE" i="1" dirty="0" smtClean="0">
+                <a:solidFill>
+                  <a:srgbClr val="000000"/>
+                </a:solidFill>
+                <a:latin typeface="+mn-lt"/>
+                <a:cs typeface="Arial" charset="0"/>
+              </a:rPr>
+              <a:t> </a:t>
+            </a:r>
+            <a:r>
+              <a:rPr lang="de-DE" i="1" dirty="0" err="1">
+                <a:solidFill>
+                  <a:srgbClr val="000000"/>
+                </a:solidFill>
+                <a:latin typeface="+mn-lt"/>
+                <a:cs typeface="Arial" charset="0"/>
+              </a:rPr>
+              <a:t>n</a:t>
+            </a:r>
+            <a:r>
+              <a:rPr lang="de-DE" i="1" dirty="0" err="1" smtClean="0">
+                <a:solidFill>
+                  <a:srgbClr val="000000"/>
+                </a:solidFill>
+                <a:latin typeface="+mn-lt"/>
+                <a:cs typeface="Arial" charset="0"/>
+              </a:rPr>
+              <a:t>ames</a:t>
             </a:r>
             <a:endParaRPr lang="de-DE" b="0" i="1" dirty="0" smtClean="0">
               <a:solidFill>
                 <a:srgbClr val="000000"/>
               </a:solidFill>
-              <a:latin typeface="Arial" charset="0"/>
+              <a:latin typeface="+mn-lt"/>
               <a:cs typeface="Arial" charset="0"/>
             </a:endParaRPr>
           </a:p>
@@ -10245,7 +10603,7 @@
         <p:spPr bwMode="auto">
           <a:xfrm>
             <a:off x="4230343" y="1663071"/>
-            <a:ext cx="1256754" cy="307777"/>
+            <a:ext cx="1141338" cy="307777"/>
           </a:xfrm>
           <a:prstGeom prst="rect">
             <a:avLst/>
@@ -10396,11 +10754,28 @@
                 <a:solidFill>
                   <a:srgbClr val="000000"/>
                 </a:solidFill>
-                <a:latin typeface="Arial" charset="0"/>
+                <a:latin typeface="+mn-lt"/>
                 <a:cs typeface="Arial" charset="0"/>
               </a:rPr>
-              <a:t>Binary Expression</a:t>
-            </a:r>
+              <a:t>Binary </a:t>
+            </a:r>
+            <a:r>
+              <a:rPr lang="de-DE" b="0" dirty="0" err="1" smtClean="0">
+                <a:solidFill>
+                  <a:srgbClr val="000000"/>
+                </a:solidFill>
+                <a:latin typeface="+mn-lt"/>
+                <a:cs typeface="Arial" charset="0"/>
+              </a:rPr>
+              <a:t>expression</a:t>
+            </a:r>
+            <a:endParaRPr lang="de-DE" b="0" dirty="0" smtClean="0">
+              <a:solidFill>
+                <a:srgbClr val="000000"/>
+              </a:solidFill>
+              <a:latin typeface="+mn-lt"/>
+              <a:cs typeface="Arial" charset="0"/>
+            </a:endParaRPr>
           </a:p>
           <a:p>
             <a:pPr marL="228600" indent="-228600" algn="ctr" eaLnBrk="1" hangingPunct="1">
@@ -10412,7 +10787,7 @@
                 <a:solidFill>
                   <a:srgbClr val="000000"/>
                 </a:solidFill>
-                <a:latin typeface="Arial" charset="0"/>
+                <a:latin typeface="+mn-lt"/>
                 <a:cs typeface="Arial" charset="0"/>
               </a:rPr>
               <a:t>Expression</a:t>
@@ -10431,7 +10806,7 @@
         <p:spPr bwMode="auto">
           <a:xfrm>
             <a:off x="5732617" y="1668032"/>
-            <a:ext cx="859210" cy="307777"/>
+            <a:ext cx="782265" cy="307777"/>
           </a:xfrm>
           <a:prstGeom prst="rect">
             <a:avLst/>
@@ -10582,7 +10957,7 @@
                 <a:solidFill>
                   <a:srgbClr val="000000"/>
                 </a:solidFill>
-                <a:latin typeface="Arial" charset="0"/>
+                <a:latin typeface="+mn-lt"/>
                 <a:cs typeface="Arial" charset="0"/>
               </a:rPr>
               <a:t>Expression</a:t>
@@ -10598,11 +10973,28 @@
                 <a:solidFill>
                   <a:srgbClr val="000000"/>
                 </a:solidFill>
-                <a:latin typeface="Arial" charset="0"/>
+                <a:latin typeface="+mn-lt"/>
                 <a:cs typeface="Arial" charset="0"/>
               </a:rPr>
-              <a:t>Real Cast</a:t>
-            </a:r>
+              <a:t>Real </a:t>
+            </a:r>
+            <a:r>
+              <a:rPr lang="de-DE" b="0" dirty="0" err="1" smtClean="0">
+                <a:solidFill>
+                  <a:srgbClr val="000000"/>
+                </a:solidFill>
+                <a:latin typeface="+mn-lt"/>
+                <a:cs typeface="Arial" charset="0"/>
+              </a:rPr>
+              <a:t>cast</a:t>
+            </a:r>
+            <a:endParaRPr lang="de-DE" b="0" dirty="0" smtClean="0">
+              <a:solidFill>
+                <a:srgbClr val="000000"/>
+              </a:solidFill>
+              <a:latin typeface="+mn-lt"/>
+              <a:cs typeface="Arial" charset="0"/>
+            </a:endParaRPr>
           </a:p>
         </p:txBody>
       </p:sp>
@@ -10879,7 +11271,7 @@
                 <a:solidFill>
                   <a:srgbClr val="000000"/>
                 </a:solidFill>
-                <a:latin typeface="Arial" charset="0"/>
+                <a:latin typeface="+mn-lt"/>
                 <a:cs typeface="Arial" charset="0"/>
               </a:rPr>
               <a:t>Condition</a:t>
@@ -10889,7 +11281,17 @@
                 <a:solidFill>
                   <a:srgbClr val="000000"/>
                 </a:solidFill>
-                <a:latin typeface="Arial" charset="0"/>
+                <a:latin typeface="+mn-lt"/>
+                <a:cs typeface="Arial" charset="0"/>
+              </a:rPr>
+              <a:t>:</a:t>
+            </a:r>
+            <a:r>
+              <a:rPr lang="de-DE" b="0" i="1" dirty="0" smtClean="0">
+                <a:solidFill>
+                  <a:srgbClr val="000000"/>
+                </a:solidFill>
+                <a:latin typeface="+mn-lt"/>
                 <a:cs typeface="Arial" charset="0"/>
               </a:rPr>
               <a:t> </a:t>
@@ -10899,17 +11301,17 @@
                 <a:solidFill>
                   <a:srgbClr val="000000"/>
                 </a:solidFill>
-                <a:latin typeface="Arial" charset="0"/>
+                <a:latin typeface="+mn-lt"/>
                 <a:cs typeface="Arial" charset="0"/>
               </a:rPr>
-              <a:t> Type(     ) = Real  </a:t>
+              <a:t>Type(     ) = Real  </a:t>
             </a:r>
             <a:r>
               <a:rPr lang="de-DE" b="0" dirty="0" smtClean="0">
                 <a:solidFill>
                   <a:srgbClr val="000000"/>
                 </a:solidFill>
-                <a:latin typeface="ＭＳ ゴシック"/>
+                <a:latin typeface="+mn-lt"/>
                 <a:ea typeface="ＭＳ ゴシック"/>
                 <a:cs typeface="ＭＳ ゴシック"/>
               </a:rPr>
@@ -10920,7 +11322,7 @@
                 <a:solidFill>
                   <a:srgbClr val="000000"/>
                 </a:solidFill>
-                <a:latin typeface="ＭＳ ゴシック"/>
+                <a:latin typeface="+mn-lt"/>
                 <a:ea typeface="ＭＳ ゴシック"/>
                 <a:cs typeface="ＭＳ ゴシック"/>
               </a:rPr>
@@ -10931,7 +11333,7 @@
                 <a:solidFill>
                   <a:srgbClr val="000000"/>
                 </a:solidFill>
-                <a:latin typeface="Arial" charset="0"/>
+                <a:latin typeface="+mn-lt"/>
                 <a:cs typeface="Arial" charset="0"/>
               </a:rPr>
               <a:t>Type(     ) = Integer</a:t>
@@ -10949,8 +11351,8 @@
         </p:nvSpPr>
         <p:spPr bwMode="auto">
           <a:xfrm>
-            <a:off x="4129757" y="2102309"/>
-            <a:ext cx="128988" cy="153888"/>
+            <a:off x="3955132" y="2083259"/>
+            <a:ext cx="128988" cy="523220"/>
           </a:xfrm>
           <a:prstGeom prst="rect">
             <a:avLst/>
@@ -11101,7 +11503,7 @@
                 <a:solidFill>
                   <a:srgbClr val="000000"/>
                 </a:solidFill>
-                <a:latin typeface="Arial" charset="0"/>
+                <a:latin typeface="+mn-lt"/>
                 <a:cs typeface="Arial" charset="0"/>
               </a:rPr>
               <a:t> </a:t>
@@ -11119,8 +11521,8 @@
         </p:nvSpPr>
         <p:spPr bwMode="auto">
           <a:xfrm>
-            <a:off x="5330079" y="2105484"/>
-            <a:ext cx="128988" cy="153888"/>
+            <a:off x="4974479" y="2086434"/>
+            <a:ext cx="128988" cy="523220"/>
           </a:xfrm>
           <a:prstGeom prst="rect">
             <a:avLst/>
@@ -11271,7 +11673,7 @@
                 <a:solidFill>
                   <a:srgbClr val="000000"/>
                 </a:solidFill>
-                <a:latin typeface="Arial" charset="0"/>
+                <a:latin typeface="+mn-lt"/>
                 <a:cs typeface="Arial" charset="0"/>
               </a:rPr>
               <a:t> </a:t>
@@ -11289,7 +11691,7 @@
         </p:nvSpPr>
         <p:spPr bwMode="auto">
           <a:xfrm rot="16200000">
-            <a:off x="6715482" y="1633470"/>
+            <a:off x="6639282" y="1633470"/>
             <a:ext cx="838443" cy="443035"/>
           </a:xfrm>
           <a:prstGeom prst="rect">
@@ -11318,12 +11720,16 @@
                 <a:solidFill>
                   <a:srgbClr val="000000"/>
                 </a:solidFill>
-                <a:latin typeface="Arial"/>
-                <a:ea typeface="+mn-ea"/>
                 <a:cs typeface="Arial"/>
               </a:rPr>
               <a:t>Binary</a:t>
             </a:r>
+            <a:endParaRPr lang="en-US" sz="1200" b="1" dirty="0" smtClean="0">
+              <a:solidFill>
+                <a:srgbClr val="000000"/>
+              </a:solidFill>
+              <a:cs typeface="Arial"/>
+            </a:endParaRPr>
           </a:p>
           <a:p>
             <a:pPr marL="342900" indent="-342900" algn="ctr">
@@ -11333,21 +11739,27 @@
               <a:defRPr/>
             </a:pPr>
             <a:r>
-              <a:rPr lang="en-US" sz="1200" b="1" kern="0" dirty="0" smtClean="0">
-                <a:solidFill>
-                  <a:srgbClr val="000000"/>
-                </a:solidFill>
-                <a:latin typeface="Arial"/>
+              <a:rPr lang="en-US" sz="1200" b="1" kern="0" dirty="0">
+                <a:solidFill>
+                  <a:srgbClr val="000000"/>
+                </a:solidFill>
                 <a:cs typeface="Arial"/>
               </a:rPr>
-              <a:t>Expression</a:t>
+              <a:t>e</a:t>
+            </a:r>
+            <a:r>
+              <a:rPr lang="en-US" sz="1200" b="1" kern="0" dirty="0" smtClean="0">
+                <a:solidFill>
+                  <a:srgbClr val="000000"/>
+                </a:solidFill>
+                <a:cs typeface="Arial"/>
+              </a:rPr>
+              <a:t>xpression</a:t>
             </a:r>
             <a:endParaRPr lang="en-US" sz="1200" b="1" kern="0" dirty="0">
               <a:solidFill>
                 <a:srgbClr val="000000"/>
               </a:solidFill>
-              <a:latin typeface="Arial"/>
-              <a:ea typeface="+mn-ea"/>
               <a:cs typeface="Arial"/>
             </a:endParaRPr>
           </a:p>
